--- a/1907036_CV.pptx
+++ b/1907036_CV.pptx
@@ -4006,7 +4006,7 @@
                     <a:ea typeface="Times New Roman" panose="02020603050405020304" pitchFamily="18" charset="0"/>
                     <a:cs typeface="Arial" panose="020B0604020202020204" pitchFamily="34" charset="0"/>
                   </a:rPr>
-                  <a:t>880 1783067522</a:t>
+                  <a:t>880 1644437637</a:t>
                 </a:r>
                 <a:r>
                   <a:rPr lang="en-US" sz="1189" dirty="0">
